--- a/WebpageDevelopment/BBMC homepage.pptx
+++ b/WebpageDevelopment/BBMC homepage.pptx
@@ -5,11 +5,12 @@
     <p:sldMasterId id="2147483648" r:id="rId1"/>
   </p:sldMasterIdLst>
   <p:notesMasterIdLst>
-    <p:notesMasterId r:id="rId4"/>
+    <p:notesMasterId r:id="rId5"/>
   </p:notesMasterIdLst>
   <p:sldIdLst>
     <p:sldId id="258" r:id="rId2"/>
     <p:sldId id="257" r:id="rId3"/>
+    <p:sldId id="259" r:id="rId4"/>
   </p:sldIdLst>
   <p:sldSz cx="9144000" cy="6858000" type="screen4x3"/>
   <p:notesSz cx="6858000" cy="9144000"/>
@@ -110,7 +111,7 @@
   </p:defaultTextStyle>
   <p:extLst>
     <p:ext uri="{EFAFB233-063F-42B5-8137-9DF3F51BA10A}">
-      <p15:sldGuideLst xmlns:p15="http://schemas.microsoft.com/office/powerpoint/2012/main">
+      <p15:sldGuideLst xmlns:p15="http://schemas.microsoft.com/office/powerpoint/2012/main" xmlns="">
         <p15:guide id="1" orient="horz" pos="2160">
           <p15:clr>
             <a:srgbClr val="A4A3A4"/>
@@ -209,7 +210,7 @@
           <a:p>
             <a:fld id="{C61B70D3-08BC-4021-BE2E-BD32F3DA5BC8}" type="datetimeFigureOut">
               <a:rPr lang="en-US" smtClean="0"/>
-              <a:t>8/22/2013</a:t>
+              <a:t>3/10/2014</a:t>
             </a:fld>
             <a:endParaRPr lang="en-US"/>
           </a:p>
@@ -742,7 +743,7 @@
           <a:p>
             <a:fld id="{8811A534-0BB0-4CE6-AC1E-3D65E49A0F9F}" type="datetimeFigureOut">
               <a:rPr lang="en-US" smtClean="0"/>
-              <a:t>8/22/2013</a:t>
+              <a:t>3/10/2014</a:t>
             </a:fld>
             <a:endParaRPr lang="en-US"/>
           </a:p>
@@ -912,7 +913,7 @@
           <a:p>
             <a:fld id="{8811A534-0BB0-4CE6-AC1E-3D65E49A0F9F}" type="datetimeFigureOut">
               <a:rPr lang="en-US" smtClean="0"/>
-              <a:t>8/22/2013</a:t>
+              <a:t>3/10/2014</a:t>
             </a:fld>
             <a:endParaRPr lang="en-US"/>
           </a:p>
@@ -1092,7 +1093,7 @@
           <a:p>
             <a:fld id="{8811A534-0BB0-4CE6-AC1E-3D65E49A0F9F}" type="datetimeFigureOut">
               <a:rPr lang="en-US" smtClean="0"/>
-              <a:t>8/22/2013</a:t>
+              <a:t>3/10/2014</a:t>
             </a:fld>
             <a:endParaRPr lang="en-US"/>
           </a:p>
@@ -1262,7 +1263,7 @@
           <a:p>
             <a:fld id="{8811A534-0BB0-4CE6-AC1E-3D65E49A0F9F}" type="datetimeFigureOut">
               <a:rPr lang="en-US" smtClean="0"/>
-              <a:t>8/22/2013</a:t>
+              <a:t>3/10/2014</a:t>
             </a:fld>
             <a:endParaRPr lang="en-US"/>
           </a:p>
@@ -1508,7 +1509,7 @@
           <a:p>
             <a:fld id="{8811A534-0BB0-4CE6-AC1E-3D65E49A0F9F}" type="datetimeFigureOut">
               <a:rPr lang="en-US" smtClean="0"/>
-              <a:t>8/22/2013</a:t>
+              <a:t>3/10/2014</a:t>
             </a:fld>
             <a:endParaRPr lang="en-US"/>
           </a:p>
@@ -1796,7 +1797,7 @@
           <a:p>
             <a:fld id="{8811A534-0BB0-4CE6-AC1E-3D65E49A0F9F}" type="datetimeFigureOut">
               <a:rPr lang="en-US" smtClean="0"/>
-              <a:t>8/22/2013</a:t>
+              <a:t>3/10/2014</a:t>
             </a:fld>
             <a:endParaRPr lang="en-US"/>
           </a:p>
@@ -2218,7 +2219,7 @@
           <a:p>
             <a:fld id="{8811A534-0BB0-4CE6-AC1E-3D65E49A0F9F}" type="datetimeFigureOut">
               <a:rPr lang="en-US" smtClean="0"/>
-              <a:t>8/22/2013</a:t>
+              <a:t>3/10/2014</a:t>
             </a:fld>
             <a:endParaRPr lang="en-US"/>
           </a:p>
@@ -2336,7 +2337,7 @@
           <a:p>
             <a:fld id="{8811A534-0BB0-4CE6-AC1E-3D65E49A0F9F}" type="datetimeFigureOut">
               <a:rPr lang="en-US" smtClean="0"/>
-              <a:t>8/22/2013</a:t>
+              <a:t>3/10/2014</a:t>
             </a:fld>
             <a:endParaRPr lang="en-US"/>
           </a:p>
@@ -2431,7 +2432,7 @@
           <a:p>
             <a:fld id="{8811A534-0BB0-4CE6-AC1E-3D65E49A0F9F}" type="datetimeFigureOut">
               <a:rPr lang="en-US" smtClean="0"/>
-              <a:t>8/22/2013</a:t>
+              <a:t>3/10/2014</a:t>
             </a:fld>
             <a:endParaRPr lang="en-US"/>
           </a:p>
@@ -2708,7 +2709,7 @@
           <a:p>
             <a:fld id="{8811A534-0BB0-4CE6-AC1E-3D65E49A0F9F}" type="datetimeFigureOut">
               <a:rPr lang="en-US" smtClean="0"/>
-              <a:t>8/22/2013</a:t>
+              <a:t>3/10/2014</a:t>
             </a:fld>
             <a:endParaRPr lang="en-US"/>
           </a:p>
@@ -2961,7 +2962,7 @@
           <a:p>
             <a:fld id="{8811A534-0BB0-4CE6-AC1E-3D65E49A0F9F}" type="datetimeFigureOut">
               <a:rPr lang="en-US" smtClean="0"/>
-              <a:t>8/22/2013</a:t>
+              <a:t>3/10/2014</a:t>
             </a:fld>
             <a:endParaRPr lang="en-US"/>
           </a:p>
@@ -3174,7 +3175,7 @@
           <a:p>
             <a:fld id="{8811A534-0BB0-4CE6-AC1E-3D65E49A0F9F}" type="datetimeFigureOut">
               <a:rPr lang="en-US" smtClean="0"/>
-              <a:t>8/22/2013</a:t>
+              <a:t>3/10/2014</a:t>
             </a:fld>
             <a:endParaRPr lang="en-US"/>
           </a:p>
@@ -5740,6 +5741,1329 @@
     <p:extLst>
       <p:ext uri="{BB962C8B-B14F-4D97-AF65-F5344CB8AC3E}">
         <p14:creationId xmlns:p14="http://schemas.microsoft.com/office/powerpoint/2010/main" val="687278534"/>
+      </p:ext>
+    </p:extLst>
+  </p:cSld>
+  <p:clrMapOvr>
+    <a:masterClrMapping/>
+  </p:clrMapOvr>
+  <p:timing>
+    <p:tnLst>
+      <p:par>
+        <p:cTn id="1" dur="indefinite" restart="never" nodeType="tmRoot"/>
+      </p:par>
+    </p:tnLst>
+  </p:timing>
+</p:sld>
+</file>
+
+<file path=ppt/slides/slide3.xml><?xml version="1.0" encoding="utf-8"?>
+<p:sld xmlns:a="http://schemas.openxmlformats.org/drawingml/2006/main" xmlns:r="http://schemas.openxmlformats.org/officeDocument/2006/relationships" xmlns:p="http://schemas.openxmlformats.org/presentationml/2006/main">
+  <p:cSld>
+    <p:bg>
+      <p:bgPr>
+        <a:solidFill>
+          <a:srgbClr val="FDF8D8"/>
+        </a:solidFill>
+        <a:effectLst/>
+      </p:bgPr>
+    </p:bg>
+    <p:spTree>
+      <p:nvGrpSpPr>
+        <p:cNvPr id="1" name=""/>
+        <p:cNvGrpSpPr/>
+        <p:nvPr/>
+      </p:nvGrpSpPr>
+      <p:grpSpPr>
+        <a:xfrm>
+          <a:off x="0" y="0"/>
+          <a:ext cx="0" cy="0"/>
+          <a:chOff x="0" y="0"/>
+          <a:chExt cx="0" cy="0"/>
+        </a:xfrm>
+      </p:grpSpPr>
+      <p:sp>
+        <p:nvSpPr>
+          <p:cNvPr id="6" name="Line 13"/>
+          <p:cNvSpPr>
+            <a:spLocks noChangeShapeType="1"/>
+          </p:cNvSpPr>
+          <p:nvPr/>
+        </p:nvSpPr>
+        <p:spPr bwMode="auto">
+          <a:xfrm>
+            <a:off x="457200" y="1981201"/>
+            <a:ext cx="8226425" cy="0"/>
+          </a:xfrm>
+          <a:prstGeom prst="line">
+            <a:avLst/>
+          </a:prstGeom>
+          <a:noFill/>
+          <a:ln w="57150">
+            <a:solidFill>
+              <a:srgbClr val="630D0C"/>
+            </a:solidFill>
+            <a:round/>
+            <a:headEnd/>
+            <a:tailEnd/>
+          </a:ln>
+          <a:effectLst/>
+        </p:spPr>
+        <p:txBody>
+          <a:bodyPr/>
+          <a:lstStyle/>
+          <a:p>
+            <a:pPr algn="ctr" eaLnBrk="0" hangingPunct="0">
+              <a:defRPr/>
+            </a:pPr>
+            <a:endParaRPr lang="en-US">
+              <a:cs typeface="+mn-cs"/>
+            </a:endParaRPr>
+          </a:p>
+        </p:txBody>
+      </p:sp>
+      <p:sp>
+        <p:nvSpPr>
+          <p:cNvPr id="9" name="Rectangle 8"/>
+          <p:cNvSpPr/>
+          <p:nvPr/>
+        </p:nvSpPr>
+        <p:spPr>
+          <a:xfrm>
+            <a:off x="997564" y="2971801"/>
+            <a:ext cx="1984248" cy="549302"/>
+          </a:xfrm>
+          <a:prstGeom prst="rect">
+            <a:avLst/>
+          </a:prstGeom>
+          <a:solidFill>
+            <a:srgbClr val="630D0C"/>
+          </a:solidFill>
+          <a:ln>
+            <a:solidFill>
+              <a:srgbClr val="323232"/>
+            </a:solidFill>
+          </a:ln>
+        </p:spPr>
+        <p:style>
+          <a:lnRef idx="2">
+            <a:schemeClr val="accent1">
+              <a:shade val="50000"/>
+            </a:schemeClr>
+          </a:lnRef>
+          <a:fillRef idx="1">
+            <a:schemeClr val="accent1"/>
+          </a:fillRef>
+          <a:effectRef idx="0">
+            <a:schemeClr val="accent1"/>
+          </a:effectRef>
+          <a:fontRef idx="minor">
+            <a:schemeClr val="lt1"/>
+          </a:fontRef>
+        </p:style>
+        <p:txBody>
+          <a:bodyPr rtlCol="0" anchor="ctr"/>
+          <a:lstStyle/>
+          <a:p>
+            <a:pPr algn="ctr"/>
+            <a:r>
+              <a:rPr lang="en-US" dirty="0" smtClean="0">
+                <a:solidFill>
+                  <a:schemeClr val="bg1"/>
+                </a:solidFill>
+                <a:latin typeface="Georgia" panose="02040502050405020303" pitchFamily="18" charset="0"/>
+              </a:rPr>
+              <a:t>Minimal</a:t>
+            </a:r>
+          </a:p>
+        </p:txBody>
+      </p:sp>
+      <p:sp>
+        <p:nvSpPr>
+          <p:cNvPr id="10" name="Rectangle 9"/>
+          <p:cNvSpPr/>
+          <p:nvPr/>
+        </p:nvSpPr>
+        <p:spPr>
+          <a:xfrm>
+            <a:off x="3348262" y="2971802"/>
+            <a:ext cx="2633509" cy="822690"/>
+          </a:xfrm>
+          <a:prstGeom prst="rect">
+            <a:avLst/>
+          </a:prstGeom>
+          <a:solidFill>
+            <a:srgbClr val="999999"/>
+          </a:solidFill>
+          <a:ln>
+            <a:solidFill>
+              <a:srgbClr val="323232"/>
+            </a:solidFill>
+          </a:ln>
+        </p:spPr>
+        <p:style>
+          <a:lnRef idx="2">
+            <a:schemeClr val="accent1">
+              <a:shade val="50000"/>
+            </a:schemeClr>
+          </a:lnRef>
+          <a:fillRef idx="1">
+            <a:schemeClr val="accent1"/>
+          </a:fillRef>
+          <a:effectRef idx="0">
+            <a:schemeClr val="accent1"/>
+          </a:effectRef>
+          <a:fontRef idx="minor">
+            <a:schemeClr val="lt1"/>
+          </a:fontRef>
+        </p:style>
+        <p:txBody>
+          <a:bodyPr rtlCol="0" anchor="ctr"/>
+          <a:lstStyle/>
+          <a:p>
+            <a:pPr marL="171450" indent="-171450">
+              <a:buFont typeface="Wingdings" pitchFamily="2" charset="2"/>
+              <a:buChar char="§"/>
+            </a:pPr>
+            <a:r>
+              <a:rPr lang="en-US" sz="1100" b="1" dirty="0" smtClean="0">
+                <a:latin typeface="Georgia" panose="02040502050405020303" pitchFamily="18" charset="0"/>
+              </a:rPr>
+              <a:t>Provide investigators with database resources for self-development</a:t>
+            </a:r>
+          </a:p>
+          <a:p>
+            <a:pPr marL="171450" indent="-171450">
+              <a:buFont typeface="Wingdings" pitchFamily="2" charset="2"/>
+              <a:buChar char="§"/>
+            </a:pPr>
+            <a:r>
+              <a:rPr lang="en-US" sz="1100" b="1" dirty="0" smtClean="0">
+                <a:latin typeface="Georgia" panose="02040502050405020303" pitchFamily="18" charset="0"/>
+              </a:rPr>
+              <a:t>Brief consult on design, aims, and analysis</a:t>
+            </a:r>
+          </a:p>
+        </p:txBody>
+      </p:sp>
+      <p:sp>
+        <p:nvSpPr>
+          <p:cNvPr id="11" name="Rectangle 10"/>
+          <p:cNvSpPr/>
+          <p:nvPr/>
+        </p:nvSpPr>
+        <p:spPr>
+          <a:xfrm>
+            <a:off x="3348833" y="4191000"/>
+            <a:ext cx="2640657" cy="1196529"/>
+          </a:xfrm>
+          <a:prstGeom prst="rect">
+            <a:avLst/>
+          </a:prstGeom>
+          <a:solidFill>
+            <a:srgbClr val="999999"/>
+          </a:solidFill>
+          <a:ln>
+            <a:solidFill>
+              <a:srgbClr val="323232"/>
+            </a:solidFill>
+          </a:ln>
+        </p:spPr>
+        <p:style>
+          <a:lnRef idx="2">
+            <a:schemeClr val="accent1">
+              <a:shade val="50000"/>
+            </a:schemeClr>
+          </a:lnRef>
+          <a:fillRef idx="1">
+            <a:schemeClr val="accent1"/>
+          </a:fillRef>
+          <a:effectRef idx="0">
+            <a:schemeClr val="accent1"/>
+          </a:effectRef>
+          <a:fontRef idx="minor">
+            <a:schemeClr val="lt1"/>
+          </a:fontRef>
+        </p:style>
+        <p:txBody>
+          <a:bodyPr rtlCol="0" anchor="ctr"/>
+          <a:lstStyle/>
+          <a:p>
+            <a:pPr marL="171450" indent="-171450">
+              <a:buFont typeface="Wingdings" pitchFamily="2" charset="2"/>
+              <a:buChar char="§"/>
+            </a:pPr>
+            <a:r>
+              <a:rPr lang="en-US" sz="1100" b="1" dirty="0" smtClean="0">
+                <a:solidFill>
+                  <a:schemeClr val="bg1"/>
+                </a:solidFill>
+                <a:latin typeface="Georgia" panose="02040502050405020303" pitchFamily="18" charset="0"/>
+              </a:rPr>
+              <a:t>Support for database development, management, and technical assistance</a:t>
+            </a:r>
+          </a:p>
+          <a:p>
+            <a:pPr marL="171450" indent="-171450">
+              <a:buFont typeface="Wingdings" pitchFamily="2" charset="2"/>
+              <a:buChar char="§"/>
+            </a:pPr>
+            <a:r>
+              <a:rPr lang="en-US" sz="1100" b="1" dirty="0" smtClean="0">
+                <a:latin typeface="Georgia" panose="02040502050405020303" pitchFamily="18" charset="0"/>
+              </a:rPr>
+              <a:t>Biostatistics GRA support for design</a:t>
+            </a:r>
+            <a:r>
+              <a:rPr lang="en-US" sz="1100" b="1" dirty="0">
+                <a:latin typeface="Georgia" panose="02040502050405020303" pitchFamily="18" charset="0"/>
+              </a:rPr>
+              <a:t>, aims, and </a:t>
+            </a:r>
+            <a:r>
+              <a:rPr lang="en-US" sz="1100" b="1" dirty="0" smtClean="0">
+                <a:latin typeface="Georgia" panose="02040502050405020303" pitchFamily="18" charset="0"/>
+              </a:rPr>
+              <a:t>analysis</a:t>
+            </a:r>
+            <a:endParaRPr lang="en-US" sz="1100" b="1" dirty="0" smtClean="0">
+              <a:solidFill>
+                <a:schemeClr val="bg1"/>
+              </a:solidFill>
+              <a:latin typeface="Georgia" panose="02040502050405020303" pitchFamily="18" charset="0"/>
+            </a:endParaRPr>
+          </a:p>
+          <a:p>
+            <a:pPr marL="171450" indent="-171450">
+              <a:buFont typeface="Wingdings" pitchFamily="2" charset="2"/>
+              <a:buChar char="§"/>
+            </a:pPr>
+            <a:r>
+              <a:rPr lang="en-US" sz="1100" b="1" dirty="0" smtClean="0">
+                <a:solidFill>
+                  <a:schemeClr val="bg1"/>
+                </a:solidFill>
+                <a:latin typeface="Georgia" panose="02040502050405020303" pitchFamily="18" charset="0"/>
+              </a:rPr>
+              <a:t>Faculty supervision for the life of the project</a:t>
+            </a:r>
+          </a:p>
+        </p:txBody>
+      </p:sp>
+      <p:sp>
+        <p:nvSpPr>
+          <p:cNvPr id="12" name="Rectangle 11"/>
+          <p:cNvSpPr/>
+          <p:nvPr/>
+        </p:nvSpPr>
+        <p:spPr>
+          <a:xfrm>
+            <a:off x="3348262" y="5791200"/>
+            <a:ext cx="2632936" cy="914400"/>
+          </a:xfrm>
+          <a:prstGeom prst="rect">
+            <a:avLst/>
+          </a:prstGeom>
+          <a:solidFill>
+            <a:srgbClr val="999999"/>
+          </a:solidFill>
+          <a:ln>
+            <a:solidFill>
+              <a:srgbClr val="323232"/>
+            </a:solidFill>
+          </a:ln>
+        </p:spPr>
+        <p:style>
+          <a:lnRef idx="2">
+            <a:schemeClr val="accent1">
+              <a:shade val="50000"/>
+            </a:schemeClr>
+          </a:lnRef>
+          <a:fillRef idx="1">
+            <a:schemeClr val="accent1"/>
+          </a:fillRef>
+          <a:effectRef idx="0">
+            <a:schemeClr val="accent1"/>
+          </a:effectRef>
+          <a:fontRef idx="minor">
+            <a:schemeClr val="lt1"/>
+          </a:fontRef>
+        </p:style>
+        <p:txBody>
+          <a:bodyPr rtlCol="0" anchor="ctr"/>
+          <a:lstStyle/>
+          <a:p>
+            <a:pPr marL="171450" indent="-171450">
+              <a:buFont typeface="Wingdings" pitchFamily="2" charset="2"/>
+              <a:buChar char="§"/>
+            </a:pPr>
+            <a:r>
+              <a:rPr lang="en-US" sz="1100" b="1" dirty="0" smtClean="0">
+                <a:latin typeface="Georgia" panose="02040502050405020303" pitchFamily="18" charset="0"/>
+              </a:rPr>
+              <a:t>All Tier 2 services</a:t>
+            </a:r>
+          </a:p>
+          <a:p>
+            <a:pPr marL="171450" indent="-171450">
+              <a:buFont typeface="Wingdings" pitchFamily="2" charset="2"/>
+              <a:buChar char="§"/>
+            </a:pPr>
+            <a:r>
+              <a:rPr lang="en-US" sz="1100" b="1" dirty="0" smtClean="0">
+                <a:latin typeface="Georgia" panose="02040502050405020303" pitchFamily="18" charset="0"/>
+              </a:rPr>
+              <a:t>Biostatistics faculty support for design, aims, and analytics for the life of the project</a:t>
+            </a:r>
+          </a:p>
+        </p:txBody>
+      </p:sp>
+      <p:sp>
+        <p:nvSpPr>
+          <p:cNvPr id="13" name="Rectangle 12"/>
+          <p:cNvSpPr/>
+          <p:nvPr/>
+        </p:nvSpPr>
+        <p:spPr>
+          <a:xfrm>
+            <a:off x="6320062" y="2797519"/>
+            <a:ext cx="1981200" cy="914400"/>
+          </a:xfrm>
+          <a:prstGeom prst="rect">
+            <a:avLst/>
+          </a:prstGeom>
+          <a:solidFill>
+            <a:srgbClr val="630D0C"/>
+          </a:solidFill>
+          <a:ln>
+            <a:solidFill>
+              <a:srgbClr val="323232"/>
+            </a:solidFill>
+          </a:ln>
+        </p:spPr>
+        <p:style>
+          <a:lnRef idx="2">
+            <a:schemeClr val="accent1">
+              <a:shade val="50000"/>
+            </a:schemeClr>
+          </a:lnRef>
+          <a:fillRef idx="1">
+            <a:schemeClr val="accent1"/>
+          </a:fillRef>
+          <a:effectRef idx="0">
+            <a:schemeClr val="accent1"/>
+          </a:effectRef>
+          <a:fontRef idx="minor">
+            <a:schemeClr val="lt1"/>
+          </a:fontRef>
+        </p:style>
+        <p:txBody>
+          <a:bodyPr rtlCol="0" anchor="ctr"/>
+          <a:lstStyle/>
+          <a:p>
+            <a:pPr algn="ctr"/>
+            <a:r>
+              <a:rPr lang="en-US" sz="1200" b="1" dirty="0" smtClean="0">
+                <a:solidFill>
+                  <a:schemeClr val="bg1"/>
+                </a:solidFill>
+                <a:latin typeface="Georgia" panose="02040502050405020303" pitchFamily="18" charset="0"/>
+              </a:rPr>
+              <a:t>First Hour Free</a:t>
+            </a:r>
+          </a:p>
+          <a:p>
+            <a:pPr algn="ctr"/>
+            <a:r>
+              <a:rPr lang="en-US" sz="1200" b="1" dirty="0" smtClean="0">
+                <a:solidFill>
+                  <a:schemeClr val="bg1"/>
+                </a:solidFill>
+                <a:latin typeface="Georgia" panose="02040502050405020303" pitchFamily="18" charset="0"/>
+              </a:rPr>
+              <a:t>$75 Each Additional Hour</a:t>
+            </a:r>
+            <a:endParaRPr lang="en-US" sz="1200" b="1" dirty="0">
+              <a:solidFill>
+                <a:schemeClr val="bg1"/>
+              </a:solidFill>
+              <a:latin typeface="Georgia" panose="02040502050405020303" pitchFamily="18" charset="0"/>
+            </a:endParaRPr>
+          </a:p>
+        </p:txBody>
+      </p:sp>
+      <p:sp>
+        <p:nvSpPr>
+          <p:cNvPr id="14" name="Rectangle 13"/>
+          <p:cNvSpPr/>
+          <p:nvPr/>
+        </p:nvSpPr>
+        <p:spPr>
+          <a:xfrm>
+            <a:off x="6320062" y="4191001"/>
+            <a:ext cx="1981200" cy="914400"/>
+          </a:xfrm>
+          <a:prstGeom prst="rect">
+            <a:avLst/>
+          </a:prstGeom>
+          <a:solidFill>
+            <a:srgbClr val="630D0C"/>
+          </a:solidFill>
+          <a:ln>
+            <a:solidFill>
+              <a:srgbClr val="323232"/>
+            </a:solidFill>
+          </a:ln>
+        </p:spPr>
+        <p:style>
+          <a:lnRef idx="2">
+            <a:schemeClr val="accent1">
+              <a:shade val="50000"/>
+            </a:schemeClr>
+          </a:lnRef>
+          <a:fillRef idx="1">
+            <a:schemeClr val="accent1"/>
+          </a:fillRef>
+          <a:effectRef idx="0">
+            <a:schemeClr val="accent1"/>
+          </a:effectRef>
+          <a:fontRef idx="minor">
+            <a:schemeClr val="lt1"/>
+          </a:fontRef>
+        </p:style>
+        <p:txBody>
+          <a:bodyPr rtlCol="0" anchor="ctr"/>
+          <a:lstStyle/>
+          <a:p>
+            <a:r>
+              <a:rPr lang="en-US" sz="900" b="1" dirty="0" smtClean="0">
+                <a:solidFill>
+                  <a:schemeClr val="bg1"/>
+                </a:solidFill>
+                <a:latin typeface="Georgia" panose="02040502050405020303" pitchFamily="18" charset="0"/>
+              </a:rPr>
+              <a:t>15% FTE: Database Manager</a:t>
+            </a:r>
+          </a:p>
+          <a:p>
+            <a:r>
+              <a:rPr lang="en-US" sz="900" b="1" dirty="0" smtClean="0">
+                <a:solidFill>
+                  <a:schemeClr val="bg1"/>
+                </a:solidFill>
+                <a:latin typeface="Georgia" panose="02040502050405020303" pitchFamily="18" charset="0"/>
+              </a:rPr>
+              <a:t>15% FTE: Biostatistics GRA</a:t>
+            </a:r>
+          </a:p>
+          <a:p>
+            <a:r>
+              <a:rPr lang="en-US" sz="900" b="1" dirty="0" smtClean="0">
+                <a:solidFill>
+                  <a:schemeClr val="bg1"/>
+                </a:solidFill>
+                <a:latin typeface="Georgia" panose="02040502050405020303" pitchFamily="18" charset="0"/>
+              </a:rPr>
+              <a:t>  5% FTE: Faculty Supervision</a:t>
+            </a:r>
+            <a:endParaRPr lang="en-US" sz="900" b="1" dirty="0">
+              <a:solidFill>
+                <a:schemeClr val="bg1"/>
+              </a:solidFill>
+              <a:latin typeface="Georgia" panose="02040502050405020303" pitchFamily="18" charset="0"/>
+            </a:endParaRPr>
+          </a:p>
+        </p:txBody>
+      </p:sp>
+      <p:sp>
+        <p:nvSpPr>
+          <p:cNvPr id="15" name="Rectangle 14"/>
+          <p:cNvSpPr/>
+          <p:nvPr/>
+        </p:nvSpPr>
+        <p:spPr>
+          <a:xfrm>
+            <a:off x="6320062" y="5678789"/>
+            <a:ext cx="1981200" cy="914400"/>
+          </a:xfrm>
+          <a:prstGeom prst="rect">
+            <a:avLst/>
+          </a:prstGeom>
+          <a:solidFill>
+            <a:srgbClr val="630D0C"/>
+          </a:solidFill>
+          <a:ln>
+            <a:solidFill>
+              <a:srgbClr val="323232"/>
+            </a:solidFill>
+          </a:ln>
+        </p:spPr>
+        <p:style>
+          <a:lnRef idx="2">
+            <a:schemeClr val="accent1">
+              <a:shade val="50000"/>
+            </a:schemeClr>
+          </a:lnRef>
+          <a:fillRef idx="1">
+            <a:schemeClr val="accent1"/>
+          </a:fillRef>
+          <a:effectRef idx="0">
+            <a:schemeClr val="accent1"/>
+          </a:effectRef>
+          <a:fontRef idx="minor">
+            <a:schemeClr val="lt1"/>
+          </a:fontRef>
+        </p:style>
+        <p:txBody>
+          <a:bodyPr rtlCol="0" anchor="ctr"/>
+          <a:lstStyle/>
+          <a:p>
+            <a:r>
+              <a:rPr lang="en-US" sz="1050" b="1" dirty="0" smtClean="0">
+                <a:solidFill>
+                  <a:schemeClr val="bg1"/>
+                </a:solidFill>
+                <a:latin typeface="Georgia" panose="02040502050405020303" pitchFamily="18" charset="0"/>
+              </a:rPr>
+              <a:t>15% FTE: Database Manager</a:t>
+            </a:r>
+          </a:p>
+          <a:p>
+            <a:r>
+              <a:rPr lang="en-US" sz="1050" b="1" dirty="0" smtClean="0">
+                <a:solidFill>
+                  <a:schemeClr val="bg1"/>
+                </a:solidFill>
+                <a:latin typeface="Georgia" panose="02040502050405020303" pitchFamily="18" charset="0"/>
+              </a:rPr>
+              <a:t>20% FTE: Faculty Biostatistics Support</a:t>
+            </a:r>
+            <a:endParaRPr lang="en-US" sz="1050" b="1" dirty="0">
+              <a:solidFill>
+                <a:schemeClr val="bg1"/>
+              </a:solidFill>
+              <a:latin typeface="Georgia" panose="02040502050405020303" pitchFamily="18" charset="0"/>
+            </a:endParaRPr>
+          </a:p>
+        </p:txBody>
+      </p:sp>
+      <p:sp>
+        <p:nvSpPr>
+          <p:cNvPr id="16" name="Rectangle 15"/>
+          <p:cNvSpPr/>
+          <p:nvPr/>
+        </p:nvSpPr>
+        <p:spPr>
+          <a:xfrm>
+            <a:off x="3365975" y="2057401"/>
+            <a:ext cx="2621487" cy="457200"/>
+          </a:xfrm>
+          <a:prstGeom prst="rect">
+            <a:avLst/>
+          </a:prstGeom>
+          <a:solidFill>
+            <a:srgbClr val="999999"/>
+          </a:solidFill>
+          <a:ln>
+            <a:solidFill>
+              <a:srgbClr val="323232"/>
+            </a:solidFill>
+          </a:ln>
+        </p:spPr>
+        <p:style>
+          <a:lnRef idx="2">
+            <a:schemeClr val="accent1">
+              <a:shade val="50000"/>
+            </a:schemeClr>
+          </a:lnRef>
+          <a:fillRef idx="1">
+            <a:schemeClr val="accent1"/>
+          </a:fillRef>
+          <a:effectRef idx="0">
+            <a:schemeClr val="accent1"/>
+          </a:effectRef>
+          <a:fontRef idx="minor">
+            <a:schemeClr val="lt1"/>
+          </a:fontRef>
+        </p:style>
+        <p:txBody>
+          <a:bodyPr rtlCol="0" anchor="ctr"/>
+          <a:lstStyle/>
+          <a:p>
+            <a:pPr algn="ctr"/>
+            <a:r>
+              <a:rPr lang="en-US" b="1" dirty="0" smtClean="0">
+                <a:solidFill>
+                  <a:schemeClr val="bg1"/>
+                </a:solidFill>
+                <a:latin typeface="Georgia" panose="02040502050405020303" pitchFamily="18" charset="0"/>
+              </a:rPr>
+              <a:t>Support Details</a:t>
+            </a:r>
+            <a:endParaRPr lang="en-US" b="1" dirty="0">
+              <a:solidFill>
+                <a:schemeClr val="bg1"/>
+              </a:solidFill>
+              <a:latin typeface="Georgia" panose="02040502050405020303" pitchFamily="18" charset="0"/>
+            </a:endParaRPr>
+          </a:p>
+        </p:txBody>
+      </p:sp>
+      <p:sp>
+        <p:nvSpPr>
+          <p:cNvPr id="17" name="Rectangle 16"/>
+          <p:cNvSpPr/>
+          <p:nvPr/>
+        </p:nvSpPr>
+        <p:spPr>
+          <a:xfrm>
+            <a:off x="6289633" y="2057401"/>
+            <a:ext cx="1981200" cy="457200"/>
+          </a:xfrm>
+          <a:prstGeom prst="rect">
+            <a:avLst/>
+          </a:prstGeom>
+          <a:solidFill>
+            <a:srgbClr val="630D0C"/>
+          </a:solidFill>
+          <a:ln>
+            <a:solidFill>
+              <a:srgbClr val="323232"/>
+            </a:solidFill>
+          </a:ln>
+        </p:spPr>
+        <p:style>
+          <a:lnRef idx="2">
+            <a:schemeClr val="accent1">
+              <a:shade val="50000"/>
+            </a:schemeClr>
+          </a:lnRef>
+          <a:fillRef idx="1">
+            <a:schemeClr val="accent1"/>
+          </a:fillRef>
+          <a:effectRef idx="0">
+            <a:schemeClr val="accent1"/>
+          </a:effectRef>
+          <a:fontRef idx="minor">
+            <a:schemeClr val="lt1"/>
+          </a:fontRef>
+        </p:style>
+        <p:txBody>
+          <a:bodyPr rtlCol="0" anchor="ctr"/>
+          <a:lstStyle/>
+          <a:p>
+            <a:pPr algn="ctr"/>
+            <a:r>
+              <a:rPr lang="en-US" b="1" dirty="0" smtClean="0">
+                <a:solidFill>
+                  <a:schemeClr val="bg1"/>
+                </a:solidFill>
+                <a:latin typeface="Georgia" panose="02040502050405020303" pitchFamily="18" charset="0"/>
+              </a:rPr>
+              <a:t>Cost</a:t>
+            </a:r>
+            <a:endParaRPr lang="en-US" b="1" dirty="0">
+              <a:solidFill>
+                <a:schemeClr val="bg1"/>
+              </a:solidFill>
+              <a:latin typeface="Georgia" panose="02040502050405020303" pitchFamily="18" charset="0"/>
+            </a:endParaRPr>
+          </a:p>
+        </p:txBody>
+      </p:sp>
+      <p:sp>
+        <p:nvSpPr>
+          <p:cNvPr id="18" name="Rectangle 17"/>
+          <p:cNvSpPr/>
+          <p:nvPr/>
+        </p:nvSpPr>
+        <p:spPr>
+          <a:xfrm>
+            <a:off x="3339971" y="2660076"/>
+            <a:ext cx="2633509" cy="304799"/>
+          </a:xfrm>
+          <a:prstGeom prst="rect">
+            <a:avLst/>
+          </a:prstGeom>
+          <a:solidFill>
+            <a:srgbClr val="E9E9E9"/>
+          </a:solidFill>
+          <a:ln>
+            <a:solidFill>
+              <a:srgbClr val="323232"/>
+            </a:solidFill>
+          </a:ln>
+        </p:spPr>
+        <p:style>
+          <a:lnRef idx="2">
+            <a:schemeClr val="accent1">
+              <a:shade val="50000"/>
+            </a:schemeClr>
+          </a:lnRef>
+          <a:fillRef idx="1">
+            <a:schemeClr val="accent1"/>
+          </a:fillRef>
+          <a:effectRef idx="0">
+            <a:schemeClr val="accent1"/>
+          </a:effectRef>
+          <a:fontRef idx="minor">
+            <a:schemeClr val="lt1"/>
+          </a:fontRef>
+        </p:style>
+        <p:txBody>
+          <a:bodyPr rtlCol="0" anchor="ctr"/>
+          <a:lstStyle/>
+          <a:p>
+            <a:pPr algn="ctr"/>
+            <a:r>
+              <a:rPr lang="en-US" sz="2000" i="1" dirty="0" smtClean="0">
+                <a:solidFill>
+                  <a:schemeClr val="tx1"/>
+                </a:solidFill>
+                <a:latin typeface="Georgia" panose="02040502050405020303" pitchFamily="18" charset="0"/>
+              </a:rPr>
+              <a:t>Tier</a:t>
+            </a:r>
+            <a:r>
+              <a:rPr lang="en-US" i="1" dirty="0" smtClean="0">
+                <a:solidFill>
+                  <a:schemeClr val="tx1"/>
+                </a:solidFill>
+                <a:latin typeface="Georgia" panose="02040502050405020303" pitchFamily="18" charset="0"/>
+              </a:rPr>
+              <a:t> 1</a:t>
+            </a:r>
+          </a:p>
+        </p:txBody>
+      </p:sp>
+      <p:sp>
+        <p:nvSpPr>
+          <p:cNvPr id="19" name="Rectangle 18"/>
+          <p:cNvSpPr/>
+          <p:nvPr/>
+        </p:nvSpPr>
+        <p:spPr>
+          <a:xfrm>
+            <a:off x="3339971" y="3913470"/>
+            <a:ext cx="2649520" cy="277530"/>
+          </a:xfrm>
+          <a:prstGeom prst="rect">
+            <a:avLst/>
+          </a:prstGeom>
+          <a:solidFill>
+            <a:srgbClr val="E9E9E9"/>
+          </a:solidFill>
+          <a:ln>
+            <a:solidFill>
+              <a:srgbClr val="323232"/>
+            </a:solidFill>
+          </a:ln>
+        </p:spPr>
+        <p:style>
+          <a:lnRef idx="2">
+            <a:schemeClr val="accent1">
+              <a:shade val="50000"/>
+            </a:schemeClr>
+          </a:lnRef>
+          <a:fillRef idx="1">
+            <a:schemeClr val="accent1"/>
+          </a:fillRef>
+          <a:effectRef idx="0">
+            <a:schemeClr val="accent1"/>
+          </a:effectRef>
+          <a:fontRef idx="minor">
+            <a:schemeClr val="lt1"/>
+          </a:fontRef>
+        </p:style>
+        <p:txBody>
+          <a:bodyPr rtlCol="0" anchor="ctr"/>
+          <a:lstStyle/>
+          <a:p>
+            <a:pPr algn="ctr"/>
+            <a:r>
+              <a:rPr lang="en-US" sz="2000" i="1" dirty="0" smtClean="0">
+                <a:solidFill>
+                  <a:schemeClr val="tx1"/>
+                </a:solidFill>
+                <a:latin typeface="Georgia" panose="02040502050405020303" pitchFamily="18" charset="0"/>
+              </a:rPr>
+              <a:t>Tier 2</a:t>
+            </a:r>
+          </a:p>
+        </p:txBody>
+      </p:sp>
+      <p:sp>
+        <p:nvSpPr>
+          <p:cNvPr id="20" name="Rectangle 19"/>
+          <p:cNvSpPr/>
+          <p:nvPr/>
+        </p:nvSpPr>
+        <p:spPr>
+          <a:xfrm>
+            <a:off x="3339971" y="5486401"/>
+            <a:ext cx="2649520" cy="304799"/>
+          </a:xfrm>
+          <a:prstGeom prst="rect">
+            <a:avLst/>
+          </a:prstGeom>
+          <a:solidFill>
+            <a:srgbClr val="E9E9E9"/>
+          </a:solidFill>
+          <a:ln>
+            <a:solidFill>
+              <a:srgbClr val="323232"/>
+            </a:solidFill>
+          </a:ln>
+        </p:spPr>
+        <p:style>
+          <a:lnRef idx="2">
+            <a:schemeClr val="accent1">
+              <a:shade val="50000"/>
+            </a:schemeClr>
+          </a:lnRef>
+          <a:fillRef idx="1">
+            <a:schemeClr val="accent1"/>
+          </a:fillRef>
+          <a:effectRef idx="0">
+            <a:schemeClr val="accent1"/>
+          </a:effectRef>
+          <a:fontRef idx="minor">
+            <a:schemeClr val="lt1"/>
+          </a:fontRef>
+        </p:style>
+        <p:txBody>
+          <a:bodyPr rtlCol="0" anchor="ctr"/>
+          <a:lstStyle/>
+          <a:p>
+            <a:pPr algn="ctr"/>
+            <a:r>
+              <a:rPr lang="en-US" sz="2000" i="1" dirty="0" smtClean="0">
+                <a:solidFill>
+                  <a:schemeClr val="tx1"/>
+                </a:solidFill>
+                <a:latin typeface="Georgia" panose="02040502050405020303" pitchFamily="18" charset="0"/>
+              </a:rPr>
+              <a:t>Tier </a:t>
+            </a:r>
+            <a:r>
+              <a:rPr lang="en-US" sz="2000" i="1" dirty="0">
+                <a:solidFill>
+                  <a:schemeClr val="tx1"/>
+                </a:solidFill>
+                <a:latin typeface="Georgia" panose="02040502050405020303" pitchFamily="18" charset="0"/>
+              </a:rPr>
+              <a:t>3</a:t>
+            </a:r>
+            <a:endParaRPr lang="en-US" sz="2000" i="1" dirty="0" smtClean="0">
+              <a:solidFill>
+                <a:schemeClr val="tx1"/>
+              </a:solidFill>
+              <a:latin typeface="Georgia" panose="02040502050405020303" pitchFamily="18" charset="0"/>
+            </a:endParaRPr>
+          </a:p>
+        </p:txBody>
+      </p:sp>
+      <p:sp>
+        <p:nvSpPr>
+          <p:cNvPr id="21" name="Rectangle 20"/>
+          <p:cNvSpPr/>
+          <p:nvPr/>
+        </p:nvSpPr>
+        <p:spPr>
+          <a:xfrm>
+            <a:off x="986062" y="2057401"/>
+            <a:ext cx="1981200" cy="457200"/>
+          </a:xfrm>
+          <a:prstGeom prst="rect">
+            <a:avLst/>
+          </a:prstGeom>
+          <a:solidFill>
+            <a:srgbClr val="630D0C"/>
+          </a:solidFill>
+          <a:ln>
+            <a:solidFill>
+              <a:srgbClr val="323232"/>
+            </a:solidFill>
+          </a:ln>
+        </p:spPr>
+        <p:style>
+          <a:lnRef idx="2">
+            <a:schemeClr val="accent1">
+              <a:shade val="50000"/>
+            </a:schemeClr>
+          </a:lnRef>
+          <a:fillRef idx="1">
+            <a:schemeClr val="accent1"/>
+          </a:fillRef>
+          <a:effectRef idx="0">
+            <a:schemeClr val="accent1"/>
+          </a:effectRef>
+          <a:fontRef idx="minor">
+            <a:schemeClr val="lt1"/>
+          </a:fontRef>
+        </p:style>
+        <p:txBody>
+          <a:bodyPr rtlCol="0" anchor="ctr"/>
+          <a:lstStyle/>
+          <a:p>
+            <a:pPr algn="ctr"/>
+            <a:r>
+              <a:rPr lang="en-US" b="1" dirty="0">
+                <a:solidFill>
+                  <a:schemeClr val="bg1"/>
+                </a:solidFill>
+                <a:latin typeface="Georgia" panose="02040502050405020303" pitchFamily="18" charset="0"/>
+              </a:rPr>
+              <a:t>Support Level</a:t>
+            </a:r>
+          </a:p>
+        </p:txBody>
+      </p:sp>
+      <p:sp>
+        <p:nvSpPr>
+          <p:cNvPr id="22" name="Rectangle 21"/>
+          <p:cNvSpPr/>
+          <p:nvPr/>
+        </p:nvSpPr>
+        <p:spPr>
+          <a:xfrm>
+            <a:off x="997564" y="4343401"/>
+            <a:ext cx="1984248" cy="549302"/>
+          </a:xfrm>
+          <a:prstGeom prst="rect">
+            <a:avLst/>
+          </a:prstGeom>
+          <a:solidFill>
+            <a:srgbClr val="630D0C"/>
+          </a:solidFill>
+          <a:ln>
+            <a:solidFill>
+              <a:srgbClr val="323232"/>
+            </a:solidFill>
+          </a:ln>
+        </p:spPr>
+        <p:style>
+          <a:lnRef idx="2">
+            <a:schemeClr val="accent1">
+              <a:shade val="50000"/>
+            </a:schemeClr>
+          </a:lnRef>
+          <a:fillRef idx="1">
+            <a:schemeClr val="accent1"/>
+          </a:fillRef>
+          <a:effectRef idx="0">
+            <a:schemeClr val="accent1"/>
+          </a:effectRef>
+          <a:fontRef idx="minor">
+            <a:schemeClr val="lt1"/>
+          </a:fontRef>
+        </p:style>
+        <p:txBody>
+          <a:bodyPr rtlCol="0" anchor="ctr"/>
+          <a:lstStyle/>
+          <a:p>
+            <a:pPr algn="ctr"/>
+            <a:r>
+              <a:rPr lang="en-US" dirty="0" smtClean="0">
+                <a:solidFill>
+                  <a:schemeClr val="bg1"/>
+                </a:solidFill>
+                <a:latin typeface="Georgia" panose="02040502050405020303" pitchFamily="18" charset="0"/>
+              </a:rPr>
+              <a:t>Moderate</a:t>
+            </a:r>
+          </a:p>
+        </p:txBody>
+      </p:sp>
+      <p:sp>
+        <p:nvSpPr>
+          <p:cNvPr id="23" name="Rectangle 22"/>
+          <p:cNvSpPr/>
+          <p:nvPr/>
+        </p:nvSpPr>
+        <p:spPr>
+          <a:xfrm>
+            <a:off x="986688" y="5851499"/>
+            <a:ext cx="1984248" cy="549302"/>
+          </a:xfrm>
+          <a:prstGeom prst="rect">
+            <a:avLst/>
+          </a:prstGeom>
+          <a:solidFill>
+            <a:srgbClr val="630D0C"/>
+          </a:solidFill>
+          <a:ln>
+            <a:solidFill>
+              <a:srgbClr val="323232"/>
+            </a:solidFill>
+          </a:ln>
+        </p:spPr>
+        <p:style>
+          <a:lnRef idx="2">
+            <a:schemeClr val="accent1">
+              <a:shade val="50000"/>
+            </a:schemeClr>
+          </a:lnRef>
+          <a:fillRef idx="1">
+            <a:schemeClr val="accent1"/>
+          </a:fillRef>
+          <a:effectRef idx="0">
+            <a:schemeClr val="accent1"/>
+          </a:effectRef>
+          <a:fontRef idx="minor">
+            <a:schemeClr val="lt1"/>
+          </a:fontRef>
+        </p:style>
+        <p:txBody>
+          <a:bodyPr rtlCol="0" anchor="ctr"/>
+          <a:lstStyle/>
+          <a:p>
+            <a:pPr algn="ctr"/>
+            <a:r>
+              <a:rPr lang="en-US" dirty="0" smtClean="0">
+                <a:solidFill>
+                  <a:schemeClr val="bg1"/>
+                </a:solidFill>
+                <a:latin typeface="Georgia" panose="02040502050405020303" pitchFamily="18" charset="0"/>
+              </a:rPr>
+              <a:t>Advanced</a:t>
+            </a:r>
+          </a:p>
+        </p:txBody>
+      </p:sp>
+      <p:sp>
+        <p:nvSpPr>
+          <p:cNvPr id="26" name="Rounded Rectangle 25">
+            <a:hlinkClick r:id="rId2"/>
+          </p:cNvPr>
+          <p:cNvSpPr/>
+          <p:nvPr/>
+        </p:nvSpPr>
+        <p:spPr>
+          <a:xfrm>
+            <a:off x="6556528" y="708881"/>
+            <a:ext cx="2130272" cy="586519"/>
+          </a:xfrm>
+          <a:prstGeom prst="roundRect">
+            <a:avLst/>
+          </a:prstGeom>
+          <a:solidFill>
+            <a:srgbClr val="96CDEC"/>
+          </a:solidFill>
+          <a:ln>
+            <a:solidFill>
+              <a:srgbClr val="323232"/>
+            </a:solidFill>
+          </a:ln>
+        </p:spPr>
+        <p:style>
+          <a:lnRef idx="2">
+            <a:schemeClr val="accent1">
+              <a:shade val="50000"/>
+            </a:schemeClr>
+          </a:lnRef>
+          <a:fillRef idx="1">
+            <a:schemeClr val="accent1"/>
+          </a:fillRef>
+          <a:effectRef idx="0">
+            <a:schemeClr val="accent1"/>
+          </a:effectRef>
+          <a:fontRef idx="minor">
+            <a:schemeClr val="lt1"/>
+          </a:fontRef>
+        </p:style>
+        <p:txBody>
+          <a:bodyPr rtlCol="0" anchor="ctr"/>
+          <a:lstStyle/>
+          <a:p>
+            <a:pPr algn="ctr"/>
+            <a:r>
+              <a:rPr lang="en-US" dirty="0" smtClean="0"/>
+              <a:t>To Get Started </a:t>
+            </a:r>
+          </a:p>
+          <a:p>
+            <a:pPr algn="ctr"/>
+            <a:r>
+              <a:rPr lang="en-US" dirty="0" smtClean="0"/>
+              <a:t>CLICK HERE!</a:t>
+            </a:r>
+            <a:endParaRPr lang="en-US" dirty="0"/>
+          </a:p>
+        </p:txBody>
+      </p:sp>
+      <p:sp>
+        <p:nvSpPr>
+          <p:cNvPr id="27" name="TextBox 26"/>
+          <p:cNvSpPr txBox="1"/>
+          <p:nvPr/>
+        </p:nvSpPr>
+        <p:spPr>
+          <a:xfrm>
+            <a:off x="1371600" y="0"/>
+            <a:ext cx="6705600" cy="369332"/>
+          </a:xfrm>
+          <a:prstGeom prst="rect">
+            <a:avLst/>
+          </a:prstGeom>
+          <a:noFill/>
+        </p:spPr>
+        <p:txBody>
+          <a:bodyPr wrap="square" rtlCol="0">
+            <a:spAutoFit/>
+          </a:bodyPr>
+          <a:lstStyle/>
+          <a:p>
+            <a:pPr algn="ctr"/>
+            <a:r>
+              <a:rPr lang="en-US" dirty="0" smtClean="0">
+                <a:solidFill>
+                  <a:srgbClr val="630D0C"/>
+                </a:solidFill>
+                <a:latin typeface="Gabriola" panose="04040605051002020D02" pitchFamily="82" charset="0"/>
+              </a:rPr>
+              <a:t>Supporting </a:t>
+            </a:r>
+            <a:r>
+              <a:rPr lang="en-US" dirty="0">
+                <a:solidFill>
+                  <a:srgbClr val="630D0C"/>
+                </a:solidFill>
+                <a:latin typeface="Gabriola" panose="04040605051002020D02" pitchFamily="82" charset="0"/>
+              </a:rPr>
+              <a:t>and </a:t>
+            </a:r>
+            <a:r>
+              <a:rPr lang="en-US" dirty="0" smtClean="0">
+                <a:solidFill>
+                  <a:srgbClr val="630D0C"/>
+                </a:solidFill>
+                <a:latin typeface="Gabriola" panose="04040605051002020D02" pitchFamily="82" charset="0"/>
+              </a:rPr>
+              <a:t>enhancing </a:t>
+            </a:r>
+            <a:r>
+              <a:rPr lang="en-US" dirty="0">
+                <a:solidFill>
+                  <a:srgbClr val="630D0C"/>
+                </a:solidFill>
+                <a:latin typeface="Gabriola" panose="04040605051002020D02" pitchFamily="82" charset="0"/>
+              </a:rPr>
+              <a:t>study </a:t>
+            </a:r>
+            <a:r>
+              <a:rPr lang="en-US" dirty="0" smtClean="0">
+                <a:solidFill>
+                  <a:srgbClr val="630D0C"/>
+                </a:solidFill>
+                <a:latin typeface="Gabriola" panose="04040605051002020D02" pitchFamily="82" charset="0"/>
+              </a:rPr>
+              <a:t>design, data </a:t>
+            </a:r>
+            <a:r>
+              <a:rPr lang="en-US" dirty="0">
+                <a:solidFill>
+                  <a:srgbClr val="630D0C"/>
+                </a:solidFill>
+                <a:latin typeface="Gabriola" panose="04040605051002020D02" pitchFamily="82" charset="0"/>
+              </a:rPr>
+              <a:t>capture, and analytics for Pediatrics research</a:t>
+            </a:r>
+            <a:r>
+              <a:rPr lang="en-US" dirty="0" smtClean="0">
+                <a:solidFill>
+                  <a:srgbClr val="630D0C"/>
+                </a:solidFill>
+                <a:latin typeface="Gabriola" panose="04040605051002020D02" pitchFamily="82" charset="0"/>
+              </a:rPr>
+              <a:t>. </a:t>
+            </a:r>
+          </a:p>
+        </p:txBody>
+      </p:sp>
+      <p:sp>
+        <p:nvSpPr>
+          <p:cNvPr id="2" name="Rectangle 1"/>
+          <p:cNvSpPr/>
+          <p:nvPr/>
+        </p:nvSpPr>
+        <p:spPr>
+          <a:xfrm>
+            <a:off x="3156345" y="1520159"/>
+            <a:ext cx="3092055" cy="369332"/>
+          </a:xfrm>
+          <a:prstGeom prst="rect">
+            <a:avLst/>
+          </a:prstGeom>
+        </p:spPr>
+        <p:txBody>
+          <a:bodyPr wrap="square">
+            <a:spAutoFit/>
+          </a:bodyPr>
+          <a:lstStyle/>
+          <a:p>
+            <a:r>
+              <a:rPr lang="en-US" dirty="0" smtClean="0">
+                <a:solidFill>
+                  <a:srgbClr val="630D0C"/>
+                </a:solidFill>
+                <a:latin typeface="Gabriola" panose="04040605051002020D02" pitchFamily="82" charset="0"/>
+              </a:rPr>
+              <a:t>Our Three-Tiered Service-Delivery Model</a:t>
+            </a:r>
+            <a:endParaRPr lang="en-US" dirty="0">
+              <a:solidFill>
+                <a:srgbClr val="630D0C"/>
+              </a:solidFill>
+            </a:endParaRPr>
+          </a:p>
+        </p:txBody>
+      </p:sp>
+      <p:pic>
+        <p:nvPicPr>
+          <p:cNvPr id="1026" name="Picture 2" descr="C:\Users\wbeasley\Documents\Bbmc\RedcapExample\Diagrams\BbmcLogos\BbmcDistributionsBackgroundClear.png"/>
+          <p:cNvPicPr>
+            <a:picLocks noChangeAspect="1" noChangeArrowheads="1"/>
+          </p:cNvPicPr>
+          <p:nvPr/>
+        </p:nvPicPr>
+        <p:blipFill>
+          <a:blip r:embed="rId3" cstate="print">
+            <a:extLst>
+              <a:ext uri="{28A0092B-C50C-407E-A947-70E740481C1C}">
+                <a14:useLocalDpi xmlns:a14="http://schemas.microsoft.com/office/drawing/2010/main" val="0"/>
+              </a:ext>
+            </a:extLst>
+          </a:blip>
+          <a:srcRect/>
+          <a:stretch>
+            <a:fillRect/>
+          </a:stretch>
+        </p:blipFill>
+        <p:spPr bwMode="auto">
+          <a:xfrm>
+            <a:off x="3241433" y="462229"/>
+            <a:ext cx="2699979" cy="1079822"/>
+          </a:xfrm>
+          <a:prstGeom prst="rect">
+            <a:avLst/>
+          </a:prstGeom>
+          <a:noFill/>
+          <a:extLst>
+            <a:ext uri="{909E8E84-426E-40DD-AFC4-6F175D3DCCD1}">
+              <a14:hiddenFill xmlns:a14="http://schemas.microsoft.com/office/drawing/2010/main">
+                <a:solidFill>
+                  <a:srgbClr val="FFFFFF"/>
+                </a:solidFill>
+              </a14:hiddenFill>
+            </a:ext>
+          </a:extLst>
+        </p:spPr>
+      </p:pic>
+    </p:spTree>
+    <p:extLst>
+      <p:ext uri="{BB962C8B-B14F-4D97-AF65-F5344CB8AC3E}">
+        <p14:creationId xmlns:p14="http://schemas.microsoft.com/office/powerpoint/2010/main" val="651995765"/>
       </p:ext>
     </p:extLst>
   </p:cSld>
